--- a/logo.pptx
+++ b/logo.pptx
@@ -104,6 +104,11 @@
       </a:defRPr>
     </a:lvl9pPr>
   </p:defaultTextStyle>
+  <p:extLst>
+    <p:ext uri="{EFAFB233-063F-42B5-8137-9DF3F51BA10A}">
+      <p15:sldGuideLst xmlns:p15="http://schemas.microsoft.com/office/powerpoint/2012/main"/>
+    </p:ext>
+  </p:extLst>
 </p:presentation>
 </file>
 
@@ -3321,152 +3326,173 @@
           <a:chExt cx="0" cy="0"/>
         </a:xfrm>
       </p:grpSpPr>
-      <p:sp>
-        <p:nvSpPr>
-          <p:cNvPr id="7" name="Rectangle: Rounded Corners 6">
-            <a:extLst>
-              <a:ext uri="{FF2B5EF4-FFF2-40B4-BE49-F238E27FC236}">
-                <a16:creationId xmlns:a16="http://schemas.microsoft.com/office/drawing/2014/main" id="{F6B77D9F-9665-41F0-A9EB-0B7C8BBCF39A}"/>
-              </a:ext>
-            </a:extLst>
-          </p:cNvPr>
-          <p:cNvSpPr/>
+      <p:grpSp>
+        <p:nvGrpSpPr>
+          <p:cNvPr id="2" name="Group 1">
+            <a:extLst>
+              <a:ext uri="{FF2B5EF4-FFF2-40B4-BE49-F238E27FC236}">
+                <a16:creationId xmlns:a16="http://schemas.microsoft.com/office/drawing/2014/main" id="{3186B744-5E39-40E6-A5E3-8A9F8D6D3E57}"/>
+              </a:ext>
+            </a:extLst>
+          </p:cNvPr>
+          <p:cNvGrpSpPr/>
           <p:nvPr/>
-        </p:nvSpPr>
-        <p:spPr>
+        </p:nvGrpSpPr>
+        <p:grpSpPr>
           <a:xfrm>
-            <a:off x="4378328" y="1773379"/>
-            <a:ext cx="2662069" cy="861775"/>
+            <a:off x="4378328" y="1736436"/>
+            <a:ext cx="2662069" cy="898718"/>
+            <a:chOff x="4378328" y="1736436"/>
+            <a:chExt cx="2662069" cy="898718"/>
           </a:xfrm>
-          <a:prstGeom prst="roundRect">
-            <a:avLst>
-              <a:gd name="adj" fmla="val 8731"/>
-            </a:avLst>
-          </a:prstGeom>
-          <a:ln>
+        </p:grpSpPr>
+        <p:sp>
+          <p:nvSpPr>
+            <p:cNvPr id="7" name="Rectangle: Rounded Corners 6">
+              <a:extLst>
+                <a:ext uri="{FF2B5EF4-FFF2-40B4-BE49-F238E27FC236}">
+                  <a16:creationId xmlns:a16="http://schemas.microsoft.com/office/drawing/2014/main" id="{F6B77D9F-9665-41F0-A9EB-0B7C8BBCF39A}"/>
+                </a:ext>
+              </a:extLst>
+            </p:cNvPr>
+            <p:cNvSpPr/>
+            <p:nvPr/>
+          </p:nvSpPr>
+          <p:spPr>
+            <a:xfrm>
+              <a:off x="4378328" y="1773379"/>
+              <a:ext cx="2662069" cy="861775"/>
+            </a:xfrm>
+            <a:prstGeom prst="roundRect">
+              <a:avLst>
+                <a:gd name="adj" fmla="val 8731"/>
+              </a:avLst>
+            </a:prstGeom>
+            <a:ln>
+              <a:noFill/>
+            </a:ln>
+          </p:spPr>
+          <p:style>
+            <a:lnRef idx="1">
+              <a:schemeClr val="accent1"/>
+            </a:lnRef>
+            <a:fillRef idx="3">
+              <a:schemeClr val="accent1"/>
+            </a:fillRef>
+            <a:effectRef idx="2">
+              <a:schemeClr val="accent1"/>
+            </a:effectRef>
+            <a:fontRef idx="minor">
+              <a:schemeClr val="lt1"/>
+            </a:fontRef>
+          </p:style>
+          <p:txBody>
+            <a:bodyPr rtlCol="0" anchor="ctr"/>
+            <a:lstStyle/>
+            <a:p>
+              <a:pPr algn="ctr"/>
+              <a:endParaRPr lang="en-US"/>
+            </a:p>
+          </p:txBody>
+        </p:sp>
+        <p:sp>
+          <p:nvSpPr>
+            <p:cNvPr id="6" name="TextBox 5">
+              <a:extLst>
+                <a:ext uri="{FF2B5EF4-FFF2-40B4-BE49-F238E27FC236}">
+                  <a16:creationId xmlns:a16="http://schemas.microsoft.com/office/drawing/2014/main" id="{74B64804-585D-4304-AEC8-0106EEBE40EE}"/>
+                </a:ext>
+              </a:extLst>
+            </p:cNvPr>
+            <p:cNvSpPr txBox="1"/>
+            <p:nvPr/>
+          </p:nvSpPr>
+          <p:spPr>
+            <a:xfrm>
+              <a:off x="4544291" y="1736436"/>
+              <a:ext cx="2319866" cy="861774"/>
+            </a:xfrm>
+            <a:prstGeom prst="rect">
+              <a:avLst/>
+            </a:prstGeom>
             <a:noFill/>
-          </a:ln>
-        </p:spPr>
-        <p:style>
-          <a:lnRef idx="1">
-            <a:schemeClr val="accent1"/>
-          </a:lnRef>
-          <a:fillRef idx="3">
-            <a:schemeClr val="accent1"/>
-          </a:fillRef>
-          <a:effectRef idx="2">
-            <a:schemeClr val="accent1"/>
-          </a:effectRef>
-          <a:fontRef idx="minor">
-            <a:schemeClr val="lt1"/>
-          </a:fontRef>
-        </p:style>
-        <p:txBody>
-          <a:bodyPr rtlCol="0" anchor="ctr"/>
-          <a:lstStyle/>
-          <a:p>
-            <a:pPr algn="ctr"/>
-            <a:endParaRPr lang="en-US"/>
-          </a:p>
-        </p:txBody>
-      </p:sp>
-      <p:sp>
-        <p:nvSpPr>
-          <p:cNvPr id="6" name="TextBox 5">
-            <a:extLst>
-              <a:ext uri="{FF2B5EF4-FFF2-40B4-BE49-F238E27FC236}">
-                <a16:creationId xmlns:a16="http://schemas.microsoft.com/office/drawing/2014/main" id="{74B64804-585D-4304-AEC8-0106EEBE40EE}"/>
-              </a:ext>
-            </a:extLst>
-          </p:cNvPr>
-          <p:cNvSpPr txBox="1"/>
-          <p:nvPr/>
-        </p:nvSpPr>
-        <p:spPr>
-          <a:xfrm>
-            <a:off x="4544291" y="1736436"/>
-            <a:ext cx="2319866" cy="861774"/>
-          </a:xfrm>
-          <a:prstGeom prst="rect">
-            <a:avLst/>
-          </a:prstGeom>
-          <a:noFill/>
-        </p:spPr>
-        <p:txBody>
-          <a:bodyPr wrap="none" rtlCol="0">
-            <a:spAutoFit/>
-          </a:bodyPr>
-          <a:lstStyle/>
-          <a:p>
-            <a:r>
-              <a:rPr lang="en-US" sz="5000" dirty="0">
-                <a:solidFill>
-                  <a:schemeClr val="bg1"/>
-                </a:solidFill>
-                <a:latin typeface="Berlin Sans FB" panose="020E0602020502020306" pitchFamily="34" charset="0"/>
-              </a:rPr>
-              <a:t>c   vidat</a:t>
-            </a:r>
-          </a:p>
-        </p:txBody>
-      </p:sp>
-      <p:pic>
-        <p:nvPicPr>
-          <p:cNvPr id="5" name="Picture 4" descr="Shape&#10;&#10;Description automatically generated with low confidence">
-            <a:extLst>
-              <a:ext uri="{FF2B5EF4-FFF2-40B4-BE49-F238E27FC236}">
-                <a16:creationId xmlns:a16="http://schemas.microsoft.com/office/drawing/2014/main" id="{DC3698E5-737E-47BD-95A0-5A0FE62391AC}"/>
-              </a:ext>
-            </a:extLst>
-          </p:cNvPr>
-          <p:cNvPicPr>
-            <a:picLocks noChangeAspect="1"/>
-          </p:cNvPicPr>
-          <p:nvPr/>
-        </p:nvPicPr>
-        <p:blipFill>
-          <a:blip r:embed="rId2">
-            <a:duotone>
-              <a:schemeClr val="accent1">
-                <a:shade val="45000"/>
-                <a:satMod val="135000"/>
-              </a:schemeClr>
-              <a:prstClr val="white"/>
-            </a:duotone>
-            <a:extLst>
-              <a:ext uri="{BEBA8EAE-BF5A-486C-A8C5-ECC9F3942E4B}">
-                <a14:imgProps xmlns:a14="http://schemas.microsoft.com/office/drawing/2010/main">
-                  <a14:imgLayer r:embed="rId3">
-                    <a14:imgEffect>
-                      <a14:artisticPencilSketch/>
-                    </a14:imgEffect>
-                  </a14:imgLayer>
-                </a14:imgProps>
-              </a:ext>
-              <a:ext uri="{28A0092B-C50C-407E-A947-70E740481C1C}">
-                <a14:useLocalDpi xmlns:a14="http://schemas.microsoft.com/office/drawing/2010/main" val="0"/>
-              </a:ext>
-            </a:extLst>
-          </a:blip>
-          <a:stretch>
-            <a:fillRect/>
-          </a:stretch>
-        </p:blipFill>
-        <p:spPr>
-          <a:xfrm>
-            <a:off x="4943690" y="2052638"/>
-            <a:ext cx="391347" cy="391347"/>
-          </a:xfrm>
-          <a:prstGeom prst="rect">
-            <a:avLst/>
-          </a:prstGeom>
-          <a:effectLst>
-            <a:glow rad="63500">
-              <a:schemeClr val="bg1"/>
-            </a:glow>
-          </a:effectLst>
-        </p:spPr>
-      </p:pic>
+          </p:spPr>
+          <p:txBody>
+            <a:bodyPr wrap="none" rtlCol="0">
+              <a:spAutoFit/>
+            </a:bodyPr>
+            <a:lstStyle/>
+            <a:p>
+              <a:r>
+                <a:rPr lang="en-US" sz="5000" dirty="0">
+                  <a:solidFill>
+                    <a:schemeClr val="bg1"/>
+                  </a:solidFill>
+                  <a:latin typeface="Berlin Sans FB" panose="020E0602020502020306" pitchFamily="34" charset="0"/>
+                </a:rPr>
+                <a:t>c   vidat</a:t>
+              </a:r>
+            </a:p>
+          </p:txBody>
+        </p:sp>
+        <p:pic>
+          <p:nvPicPr>
+            <p:cNvPr id="5" name="Picture 4" descr="Shape&#10;&#10;Description automatically generated with low confidence">
+              <a:extLst>
+                <a:ext uri="{FF2B5EF4-FFF2-40B4-BE49-F238E27FC236}">
+                  <a16:creationId xmlns:a16="http://schemas.microsoft.com/office/drawing/2014/main" id="{DC3698E5-737E-47BD-95A0-5A0FE62391AC}"/>
+                </a:ext>
+              </a:extLst>
+            </p:cNvPr>
+            <p:cNvPicPr>
+              <a:picLocks noChangeAspect="1"/>
+            </p:cNvPicPr>
+            <p:nvPr/>
+          </p:nvPicPr>
+          <p:blipFill>
+            <a:blip r:embed="rId2">
+              <a:duotone>
+                <a:schemeClr val="accent1">
+                  <a:shade val="45000"/>
+                  <a:satMod val="135000"/>
+                </a:schemeClr>
+                <a:prstClr val="white"/>
+              </a:duotone>
+              <a:extLst>
+                <a:ext uri="{BEBA8EAE-BF5A-486C-A8C5-ECC9F3942E4B}">
+                  <a14:imgProps xmlns:a14="http://schemas.microsoft.com/office/drawing/2010/main">
+                    <a14:imgLayer r:embed="rId3">
+                      <a14:imgEffect>
+                        <a14:artisticPencilSketch/>
+                      </a14:imgEffect>
+                    </a14:imgLayer>
+                  </a14:imgProps>
+                </a:ext>
+                <a:ext uri="{28A0092B-C50C-407E-A947-70E740481C1C}">
+                  <a14:useLocalDpi xmlns:a14="http://schemas.microsoft.com/office/drawing/2010/main" val="0"/>
+                </a:ext>
+              </a:extLst>
+            </a:blip>
+            <a:stretch>
+              <a:fillRect/>
+            </a:stretch>
+          </p:blipFill>
+          <p:spPr>
+            <a:xfrm>
+              <a:off x="4943690" y="2052638"/>
+              <a:ext cx="391347" cy="391347"/>
+            </a:xfrm>
+            <a:prstGeom prst="rect">
+              <a:avLst/>
+            </a:prstGeom>
+            <a:effectLst>
+              <a:glow rad="63500">
+                <a:schemeClr val="bg1"/>
+              </a:glow>
+            </a:effectLst>
+          </p:spPr>
+        </p:pic>
+      </p:grpSp>
       <p:sp>
         <p:nvSpPr>
           <p:cNvPr id="11" name="Rectangle: Rounded Corners 10">
